--- a/CR - Cost Report/Preparation oral/Prototype_and_mass_production.pptx
+++ b/CR - Cost Report/Preparation oral/Prototype_and_mass_production.pptx
@@ -243,7 +243,7 @@
           <a:p>
             <a:fld id="{87EC601A-297D-4A12-AD95-A95491B22D44}" type="datetimeFigureOut">
               <a:rPr lang="fr-FR" smtClean="0"/>
-              <a:t>21/07/2019</a:t>
+              <a:t>22/07/2019</a:t>
             </a:fld>
             <a:endParaRPr lang="fr-FR"/>
           </a:p>
@@ -413,7 +413,7 @@
           <a:p>
             <a:fld id="{87EC601A-297D-4A12-AD95-A95491B22D44}" type="datetimeFigureOut">
               <a:rPr lang="fr-FR" smtClean="0"/>
-              <a:t>21/07/2019</a:t>
+              <a:t>22/07/2019</a:t>
             </a:fld>
             <a:endParaRPr lang="fr-FR"/>
           </a:p>
@@ -593,7 +593,7 @@
           <a:p>
             <a:fld id="{87EC601A-297D-4A12-AD95-A95491B22D44}" type="datetimeFigureOut">
               <a:rPr lang="fr-FR" smtClean="0"/>
-              <a:t>21/07/2019</a:t>
+              <a:t>22/07/2019</a:t>
             </a:fld>
             <a:endParaRPr lang="fr-FR"/>
           </a:p>
@@ -763,7 +763,7 @@
           <a:p>
             <a:fld id="{87EC601A-297D-4A12-AD95-A95491B22D44}" type="datetimeFigureOut">
               <a:rPr lang="fr-FR" smtClean="0"/>
-              <a:t>21/07/2019</a:t>
+              <a:t>22/07/2019</a:t>
             </a:fld>
             <a:endParaRPr lang="fr-FR"/>
           </a:p>
@@ -1007,7 +1007,7 @@
           <a:p>
             <a:fld id="{87EC601A-297D-4A12-AD95-A95491B22D44}" type="datetimeFigureOut">
               <a:rPr lang="fr-FR" smtClean="0"/>
-              <a:t>21/07/2019</a:t>
+              <a:t>22/07/2019</a:t>
             </a:fld>
             <a:endParaRPr lang="fr-FR"/>
           </a:p>
@@ -1239,7 +1239,7 @@
           <a:p>
             <a:fld id="{87EC601A-297D-4A12-AD95-A95491B22D44}" type="datetimeFigureOut">
               <a:rPr lang="fr-FR" smtClean="0"/>
-              <a:t>21/07/2019</a:t>
+              <a:t>22/07/2019</a:t>
             </a:fld>
             <a:endParaRPr lang="fr-FR"/>
           </a:p>
@@ -1606,7 +1606,7 @@
           <a:p>
             <a:fld id="{87EC601A-297D-4A12-AD95-A95491B22D44}" type="datetimeFigureOut">
               <a:rPr lang="fr-FR" smtClean="0"/>
-              <a:t>21/07/2019</a:t>
+              <a:t>22/07/2019</a:t>
             </a:fld>
             <a:endParaRPr lang="fr-FR"/>
           </a:p>
@@ -1724,7 +1724,7 @@
           <a:p>
             <a:fld id="{87EC601A-297D-4A12-AD95-A95491B22D44}" type="datetimeFigureOut">
               <a:rPr lang="fr-FR" smtClean="0"/>
-              <a:t>21/07/2019</a:t>
+              <a:t>22/07/2019</a:t>
             </a:fld>
             <a:endParaRPr lang="fr-FR"/>
           </a:p>
@@ -1819,7 +1819,7 @@
           <a:p>
             <a:fld id="{87EC601A-297D-4A12-AD95-A95491B22D44}" type="datetimeFigureOut">
               <a:rPr lang="fr-FR" smtClean="0"/>
-              <a:t>21/07/2019</a:t>
+              <a:t>22/07/2019</a:t>
             </a:fld>
             <a:endParaRPr lang="fr-FR"/>
           </a:p>
@@ -2096,7 +2096,7 @@
           <a:p>
             <a:fld id="{87EC601A-297D-4A12-AD95-A95491B22D44}" type="datetimeFigureOut">
               <a:rPr lang="fr-FR" smtClean="0"/>
-              <a:t>21/07/2019</a:t>
+              <a:t>22/07/2019</a:t>
             </a:fld>
             <a:endParaRPr lang="fr-FR"/>
           </a:p>
@@ -2353,7 +2353,7 @@
           <a:p>
             <a:fld id="{87EC601A-297D-4A12-AD95-A95491B22D44}" type="datetimeFigureOut">
               <a:rPr lang="fr-FR" smtClean="0"/>
-              <a:t>21/07/2019</a:t>
+              <a:t>22/07/2019</a:t>
             </a:fld>
             <a:endParaRPr lang="fr-FR"/>
           </a:p>
@@ -2566,7 +2566,7 @@
           <a:p>
             <a:fld id="{87EC601A-297D-4A12-AD95-A95491B22D44}" type="datetimeFigureOut">
               <a:rPr lang="fr-FR" smtClean="0"/>
-              <a:t>21/07/2019</a:t>
+              <a:t>22/07/2019</a:t>
             </a:fld>
             <a:endParaRPr lang="fr-FR"/>
           </a:p>
@@ -3021,12 +3021,6 @@
               </a:rPr>
               <a:t>and mass production</a:t>
             </a:r>
-            <a:endParaRPr lang="fr-FR" sz="6600" b="1" spc="600" dirty="0">
-              <a:solidFill>
-                <a:schemeClr val="bg1"/>
-              </a:solidFill>
-              <a:latin typeface="Raleway" panose="020B0503030101060003" pitchFamily="34" charset="0"/>
-            </a:endParaRPr>
           </a:p>
         </p:txBody>
       </p:sp>
@@ -3635,6 +3629,10 @@
             <a:r>
               <a:rPr lang="fr-FR" dirty="0" err="1" smtClean="0"/>
               <a:t>waves</a:t>
+            </a:r>
+            <a:r>
+              <a:rPr lang="fr-FR" dirty="0" smtClean="0"/>
+              <a:t>.</a:t>
             </a:r>
             <a:endParaRPr lang="fr-FR" dirty="0"/>
           </a:p>
@@ -5042,7 +5040,7 @@
         <p:spPr>
           <a:xfrm>
             <a:off x="8553450" y="6471854"/>
-            <a:ext cx="5048251" cy="369332"/>
+            <a:ext cx="5276850" cy="369332"/>
           </a:xfrm>
           <a:prstGeom prst="rect">
             <a:avLst/>
@@ -5090,6 +5088,10 @@
             <a:r>
               <a:rPr lang="fr-FR" dirty="0" err="1" smtClean="0"/>
               <a:t>cost</a:t>
+            </a:r>
+            <a:r>
+              <a:rPr lang="fr-FR" dirty="0" smtClean="0"/>
+              <a:t>.</a:t>
             </a:r>
             <a:endParaRPr lang="fr-FR" dirty="0"/>
           </a:p>
@@ -5235,7 +5237,11 @@
             </a:r>
             <a:r>
               <a:rPr lang="fr-FR" dirty="0" smtClean="0"/>
-              <a:t> parts</a:t>
+              <a:t> </a:t>
+            </a:r>
+            <a:r>
+              <a:rPr lang="fr-FR" dirty="0" smtClean="0"/>
+              <a:t>parts.</a:t>
             </a:r>
             <a:endParaRPr lang="fr-FR" dirty="0"/>
           </a:p>
@@ -5311,6 +5317,10 @@
             </a:r>
             <a:r>
               <a:rPr lang="fr-FR" dirty="0" smtClean="0"/>
+              <a:t>.</a:t>
+            </a:r>
+            <a:r>
+              <a:rPr lang="fr-FR" dirty="0" smtClean="0"/>
               <a:t/>
             </a:r>
             <a:br>
@@ -5346,7 +5356,11 @@
             </a:r>
             <a:r>
               <a:rPr lang="fr-FR" dirty="0" smtClean="0"/>
-              <a:t> part</a:t>
+              <a:t> </a:t>
+            </a:r>
+            <a:r>
+              <a:rPr lang="fr-FR" dirty="0" smtClean="0"/>
+              <a:t>part.</a:t>
             </a:r>
             <a:endParaRPr lang="fr-FR" dirty="0"/>
           </a:p>
@@ -5476,6 +5490,10 @@
               <a:rPr lang="fr-FR" dirty="0" err="1" smtClean="0"/>
               <a:t>welding</a:t>
             </a:r>
+            <a:r>
+              <a:rPr lang="fr-FR" dirty="0" smtClean="0"/>
+              <a:t>.</a:t>
+            </a:r>
             <a:endParaRPr lang="fr-FR" dirty="0"/>
           </a:p>
         </p:txBody>
@@ -5495,7 +5513,7 @@
         <p:spPr>
           <a:xfrm>
             <a:off x="8553449" y="12221426"/>
-            <a:ext cx="5505451" cy="646331"/>
+            <a:ext cx="5505451" cy="923330"/>
           </a:xfrm>
           <a:prstGeom prst="rect">
             <a:avLst/>
@@ -5530,6 +5548,10 @@
             </a:r>
             <a:r>
               <a:rPr lang="fr-FR" dirty="0" smtClean="0"/>
+              <a:t>.</a:t>
+            </a:r>
+            <a:r>
+              <a:rPr lang="fr-FR" dirty="0" smtClean="0"/>
               <a:t/>
             </a:r>
             <a:br>
@@ -5546,6 +5568,10 @@
             <a:r>
               <a:rPr lang="fr-FR" dirty="0" err="1" smtClean="0"/>
               <a:t>process</a:t>
+            </a:r>
+            <a:r>
+              <a:rPr lang="fr-FR" dirty="0" smtClean="0"/>
+              <a:t>.</a:t>
             </a:r>
             <a:endParaRPr lang="fr-FR" dirty="0"/>
           </a:p>
@@ -5573,7 +5599,7 @@
         </p:blipFill>
         <p:spPr>
           <a:xfrm>
-            <a:off x="14570843" y="6054632"/>
+            <a:off x="15294743" y="6054632"/>
             <a:ext cx="2215260" cy="2818584"/>
           </a:xfrm>
           <a:prstGeom prst="rect">
@@ -5596,7 +5622,7 @@
         <p:spPr>
           <a:xfrm>
             <a:off x="16014015" y="3862004"/>
-            <a:ext cx="5505450" cy="369332"/>
+            <a:ext cx="5363064" cy="646331"/>
           </a:xfrm>
           <a:prstGeom prst="rect">
             <a:avLst/>
@@ -5631,7 +5657,166 @@
             </a:r>
             <a:r>
               <a:rPr lang="fr-FR" dirty="0" smtClean="0"/>
-              <a:t> part</a:t>
+              <a:t> </a:t>
+            </a:r>
+            <a:r>
+              <a:rPr lang="fr-FR" dirty="0" smtClean="0"/>
+              <a:t>part.</a:t>
+            </a:r>
+            <a:endParaRPr lang="fr-FR" dirty="0"/>
+          </a:p>
+        </p:txBody>
+      </p:sp>
+      <p:pic>
+        <p:nvPicPr>
+          <p:cNvPr id="8" name="Image 7"/>
+          <p:cNvPicPr>
+            <a:picLocks noChangeAspect="1"/>
+          </p:cNvPicPr>
+          <p:nvPr/>
+        </p:nvPicPr>
+        <p:blipFill>
+          <a:blip r:embed="rId12">
+            <a:extLst>
+              <a:ext uri="{28A0092B-C50C-407E-A947-70E740481C1C}">
+                <a14:useLocalDpi xmlns:a14="http://schemas.microsoft.com/office/drawing/2010/main" val="0"/>
+              </a:ext>
+            </a:extLst>
+          </a:blip>
+          <a:stretch>
+            <a:fillRect/>
+          </a:stretch>
+        </p:blipFill>
+        <p:spPr>
+          <a:xfrm>
+            <a:off x="18283407" y="5892038"/>
+            <a:ext cx="3093672" cy="2886800"/>
+          </a:xfrm>
+          <a:prstGeom prst="rect">
+            <a:avLst/>
+          </a:prstGeom>
+        </p:spPr>
+      </p:pic>
+      <p:sp>
+        <p:nvSpPr>
+          <p:cNvPr id="32" name="ZoneTexte 31">
+            <a:extLst>
+              <a:ext uri="{FF2B5EF4-FFF2-40B4-BE49-F238E27FC236}">
+                <a16:creationId xmlns:a16="http://schemas.microsoft.com/office/drawing/2014/main" id="{B501DFEA-73BB-4068-9CB4-51F423E12FB7}"/>
+              </a:ext>
+            </a:extLst>
+          </p:cNvPr>
+          <p:cNvSpPr txBox="1"/>
+          <p:nvPr/>
+        </p:nvSpPr>
+        <p:spPr>
+          <a:xfrm>
+            <a:off x="16014015" y="4529055"/>
+            <a:ext cx="5048251" cy="1477328"/>
+          </a:xfrm>
+          <a:prstGeom prst="rect">
+            <a:avLst/>
+          </a:prstGeom>
+          <a:noFill/>
+        </p:spPr>
+        <p:txBody>
+          <a:bodyPr wrap="square" rtlCol="0">
+            <a:spAutoFit/>
+          </a:bodyPr>
+          <a:lstStyle/>
+          <a:p>
+            <a:r>
+              <a:rPr lang="fr-FR" b="1" dirty="0" smtClean="0"/>
+              <a:t>Mass </a:t>
+            </a:r>
+            <a:r>
+              <a:rPr lang="fr-FR" b="1" dirty="0" smtClean="0"/>
+              <a:t>production</a:t>
+            </a:r>
+            <a:r>
+              <a:rPr lang="fr-FR" dirty="0" smtClean="0"/>
+              <a:t>: </a:t>
+            </a:r>
+            <a:br>
+              <a:rPr lang="fr-FR" dirty="0" smtClean="0"/>
+            </a:br>
+            <a:r>
+              <a:rPr lang="fr-FR" b="1" dirty="0" err="1" smtClean="0"/>
+              <a:t>Left</a:t>
+            </a:r>
+            <a:r>
+              <a:rPr lang="fr-FR" dirty="0" smtClean="0"/>
+              <a:t>: </a:t>
+            </a:r>
+            <a:r>
+              <a:rPr lang="fr-FR" dirty="0" smtClean="0"/>
+              <a:t>Changement of </a:t>
+            </a:r>
+            <a:r>
+              <a:rPr lang="fr-FR" dirty="0" err="1" smtClean="0"/>
+              <a:t>manufacturing</a:t>
+            </a:r>
+            <a:r>
+              <a:rPr lang="fr-FR" dirty="0" smtClean="0"/>
+              <a:t> </a:t>
+            </a:r>
+            <a:r>
+              <a:rPr lang="fr-FR" dirty="0" err="1" smtClean="0"/>
+              <a:t>process</a:t>
+            </a:r>
+            <a:r>
+              <a:rPr lang="fr-FR" dirty="0" smtClean="0"/>
+              <a:t>. </a:t>
+            </a:r>
+            <a:r>
+              <a:rPr lang="fr-FR" dirty="0" err="1" smtClean="0"/>
+              <a:t>Thermoforming</a:t>
+            </a:r>
+            <a:r>
+              <a:rPr lang="fr-FR" dirty="0" smtClean="0"/>
+              <a:t> </a:t>
+            </a:r>
+            <a:r>
+              <a:rPr lang="fr-FR" dirty="0" err="1" smtClean="0"/>
+              <a:t>from</a:t>
+            </a:r>
+            <a:r>
+              <a:rPr lang="fr-FR" dirty="0" smtClean="0"/>
+              <a:t> </a:t>
+            </a:r>
+            <a:r>
+              <a:rPr lang="fr-FR" dirty="0" err="1" smtClean="0"/>
+              <a:t>extruded</a:t>
+            </a:r>
+            <a:r>
+              <a:rPr lang="fr-FR" dirty="0" smtClean="0"/>
+              <a:t> pipes + injection </a:t>
+            </a:r>
+            <a:r>
+              <a:rPr lang="fr-FR" dirty="0" err="1" smtClean="0"/>
+              <a:t>molding</a:t>
+            </a:r>
+            <a:r>
+              <a:rPr lang="fr-FR" dirty="0" smtClean="0"/>
+              <a:t>.</a:t>
+            </a:r>
+          </a:p>
+          <a:p>
+            <a:r>
+              <a:rPr lang="fr-FR" b="1" dirty="0" smtClean="0"/>
+              <a:t>Right</a:t>
+            </a:r>
+            <a:r>
+              <a:rPr lang="fr-FR" dirty="0" smtClean="0"/>
+              <a:t>: Injection </a:t>
+            </a:r>
+            <a:r>
+              <a:rPr lang="fr-FR" dirty="0" err="1" smtClean="0"/>
+              <a:t>molding</a:t>
+            </a:r>
+            <a:r>
+              <a:rPr lang="fr-FR" dirty="0" smtClean="0"/>
+              <a:t>.</a:t>
             </a:r>
             <a:endParaRPr lang="fr-FR" dirty="0"/>
           </a:p>
